--- a/doc/Design Review.pptx
+++ b/doc/Design Review.pptx
@@ -11,6 +11,7 @@
     <p:sldId id="259" r:id="rId5"/>
     <p:sldId id="260" r:id="rId6"/>
     <p:sldId id="261" r:id="rId7"/>
+    <p:sldId id="262" r:id="rId8"/>
   </p:sldIdLst>
   <p:sldSz cx="9144000" cy="6858000" type="screen4x3"/>
   <p:notesSz cx="6858000" cy="9144000"/>
@@ -3456,6 +3457,18 @@
               <a:rPr lang="en-US" dirty="0" err="1" smtClean="0"/>
               <a:t>Modellierung</a:t>
             </a:r>
+            <a:r>
+              <a:rPr lang="en-US" dirty="0" smtClean="0"/>
+              <a:t>: </a:t>
+            </a:r>
+            <a:r>
+              <a:rPr lang="en-US" dirty="0" err="1" smtClean="0"/>
+              <a:t>Vergleich</a:t>
+            </a:r>
+            <a:r>
+              <a:rPr lang="en-US" dirty="0" smtClean="0"/>
+              <a:t>!</a:t>
+            </a:r>
             <a:endParaRPr lang="en-US" dirty="0"/>
           </a:p>
           <a:p>
@@ -3476,12 +3489,16 @@
           <a:p>
             <a:pPr lvl="1"/>
             <a:r>
-              <a:rPr lang="en-US" dirty="0" err="1" smtClean="0"/>
-              <a:t>Andere</a:t>
-            </a:r>
-            <a:r>
-              <a:rPr lang="en-US" dirty="0" smtClean="0"/>
-              <a:t>?</a:t>
+              <a:rPr lang="en-US" dirty="0" smtClean="0"/>
+              <a:t>“</a:t>
+            </a:r>
+            <a:r>
+              <a:rPr lang="en-US" dirty="0" err="1" smtClean="0"/>
+              <a:t>Nicht</a:t>
+            </a:r>
+            <a:r>
+              <a:rPr lang="en-US" dirty="0" smtClean="0"/>
+              <a:t>-uniform”</a:t>
             </a:r>
           </a:p>
           <a:p>
@@ -3751,7 +3768,11 @@
             </a:r>
             <a:r>
               <a:rPr lang="en-US" dirty="0" smtClean="0"/>
-              <a:t> August</a:t>
+              <a:t> </a:t>
+            </a:r>
+            <a:r>
+              <a:rPr lang="en-US" dirty="0"/>
+              <a:t>August</a:t>
             </a:r>
           </a:p>
           <a:p>
@@ -3831,6 +3852,195 @@
     <p:extLst>
       <p:ext uri="{BB962C8B-B14F-4D97-AF65-F5344CB8AC3E}">
         <p14:creationId xmlns:p14="http://schemas.microsoft.com/office/powerpoint/2010/main" val="1644784230"/>
+      </p:ext>
+    </p:extLst>
+  </p:cSld>
+  <p:clrMapOvr>
+    <a:masterClrMapping/>
+  </p:clrMapOvr>
+  <p:timing>
+    <p:tnLst>
+      <p:par>
+        <p:cTn id="1" dur="indefinite" restart="never" nodeType="tmRoot"/>
+      </p:par>
+    </p:tnLst>
+  </p:timing>
+</p:sld>
+</file>
+
+<file path=ppt/slides/slide7.xml><?xml version="1.0" encoding="utf-8"?>
+<p:sld xmlns:a="http://schemas.openxmlformats.org/drawingml/2006/main" xmlns:r="http://schemas.openxmlformats.org/officeDocument/2006/relationships" xmlns:p="http://schemas.openxmlformats.org/presentationml/2006/main">
+  <p:cSld>
+    <p:spTree>
+      <p:nvGrpSpPr>
+        <p:cNvPr id="1" name=""/>
+        <p:cNvGrpSpPr/>
+        <p:nvPr/>
+      </p:nvGrpSpPr>
+      <p:grpSpPr>
+        <a:xfrm>
+          <a:off x="0" y="0"/>
+          <a:ext cx="0" cy="0"/>
+          <a:chOff x="0" y="0"/>
+          <a:chExt cx="0" cy="0"/>
+        </a:xfrm>
+      </p:grpSpPr>
+      <p:sp>
+        <p:nvSpPr>
+          <p:cNvPr id="2" name="Title 1"/>
+          <p:cNvSpPr>
+            <a:spLocks noGrp="1"/>
+          </p:cNvSpPr>
+          <p:nvPr>
+            <p:ph type="title"/>
+          </p:nvPr>
+        </p:nvSpPr>
+        <p:spPr/>
+        <p:txBody>
+          <a:bodyPr/>
+          <a:lstStyle/>
+          <a:p>
+            <a:r>
+              <a:rPr lang="en-US" dirty="0" smtClean="0"/>
+              <a:t>Dinge </a:t>
+            </a:r>
+            <a:r>
+              <a:rPr lang="en-US" dirty="0" err="1" smtClean="0"/>
+              <a:t>fürs</a:t>
+            </a:r>
+            <a:r>
+              <a:rPr lang="en-US" dirty="0" smtClean="0"/>
+              <a:t> </a:t>
+            </a:r>
+            <a:r>
+              <a:rPr lang="en-US" dirty="0" err="1" smtClean="0"/>
+              <a:t>Protokoll</a:t>
+            </a:r>
+            <a:endParaRPr lang="en-US" dirty="0"/>
+          </a:p>
+        </p:txBody>
+      </p:sp>
+      <p:sp>
+        <p:nvSpPr>
+          <p:cNvPr id="3" name="Content Placeholder 2"/>
+          <p:cNvSpPr>
+            <a:spLocks noGrp="1"/>
+          </p:cNvSpPr>
+          <p:nvPr>
+            <p:ph idx="1"/>
+          </p:nvPr>
+        </p:nvSpPr>
+        <p:spPr/>
+        <p:txBody>
+          <a:bodyPr/>
+          <a:lstStyle/>
+          <a:p>
+            <a:r>
+              <a:rPr lang="en-US" dirty="0" err="1" smtClean="0"/>
+              <a:t>Sammlung</a:t>
+            </a:r>
+            <a:r>
+              <a:rPr lang="en-US" dirty="0" smtClean="0"/>
+              <a:t> der </a:t>
+            </a:r>
+            <a:r>
+              <a:rPr lang="en-US" dirty="0" err="1" smtClean="0"/>
+              <a:t>Resultate</a:t>
+            </a:r>
+            <a:r>
+              <a:rPr lang="en-US" dirty="0" smtClean="0"/>
+              <a:t>: First fit vs. Advice (</a:t>
+            </a:r>
+            <a:r>
+              <a:rPr lang="en-US" dirty="0" err="1" smtClean="0"/>
+              <a:t>wieviele</a:t>
+            </a:r>
+            <a:r>
+              <a:rPr lang="en-US" dirty="0" smtClean="0"/>
+              <a:t> Advice </a:t>
+            </a:r>
+            <a:r>
+              <a:rPr lang="en-US" dirty="0" err="1" smtClean="0"/>
+              <a:t>werden</a:t>
+            </a:r>
+            <a:r>
+              <a:rPr lang="en-US" dirty="0" smtClean="0"/>
+              <a:t> </a:t>
+            </a:r>
+            <a:r>
+              <a:rPr lang="en-US" dirty="0" err="1" smtClean="0"/>
+              <a:t>gebraucht</a:t>
+            </a:r>
+            <a:r>
+              <a:rPr lang="en-US" dirty="0" smtClean="0"/>
+              <a:t> </a:t>
+            </a:r>
+            <a:r>
+              <a:rPr lang="en-US" dirty="0" err="1" smtClean="0"/>
+              <a:t>für</a:t>
+            </a:r>
+            <a:r>
+              <a:rPr lang="en-US" dirty="0" smtClean="0"/>
+              <a:t> </a:t>
+            </a:r>
+            <a:r>
+              <a:rPr lang="en-US" dirty="0" err="1" smtClean="0"/>
+              <a:t>Anzahl</a:t>
+            </a:r>
+            <a:r>
+              <a:rPr lang="en-US" dirty="0" smtClean="0"/>
+              <a:t> </a:t>
+            </a:r>
+            <a:r>
+              <a:rPr lang="en-US" dirty="0" err="1" smtClean="0"/>
+              <a:t>Farben</a:t>
+            </a:r>
+            <a:r>
+              <a:rPr lang="en-US" dirty="0" smtClean="0"/>
+              <a:t> von First Fit)</a:t>
+            </a:r>
+          </a:p>
+          <a:p>
+            <a:r>
+              <a:rPr lang="en-US" dirty="0" err="1" smtClean="0"/>
+              <a:t>Wieviele</a:t>
+            </a:r>
+            <a:r>
+              <a:rPr lang="en-US" dirty="0" smtClean="0"/>
+              <a:t> Advice </a:t>
+            </a:r>
+            <a:r>
+              <a:rPr lang="en-US" dirty="0" err="1" smtClean="0"/>
+              <a:t>für</a:t>
+            </a:r>
+            <a:r>
+              <a:rPr lang="en-US" dirty="0" smtClean="0"/>
+              <a:t> </a:t>
+            </a:r>
+            <a:r>
+              <a:rPr lang="en-US" dirty="0" err="1" smtClean="0"/>
+              <a:t>optimale</a:t>
+            </a:r>
+            <a:r>
+              <a:rPr lang="en-US" dirty="0" smtClean="0"/>
+              <a:t> </a:t>
+            </a:r>
+            <a:r>
+              <a:rPr lang="en-US" dirty="0" err="1" smtClean="0"/>
+              <a:t>Färbung</a:t>
+            </a:r>
+            <a:r>
+              <a:rPr lang="en-US" dirty="0" smtClean="0"/>
+              <a:t>?</a:t>
+            </a:r>
+            <a:endParaRPr lang="en-US" dirty="0"/>
+          </a:p>
+        </p:txBody>
+      </p:sp>
+    </p:spTree>
+    <p:extLst>
+      <p:ext uri="{BB962C8B-B14F-4D97-AF65-F5344CB8AC3E}">
+        <p14:creationId xmlns:p14="http://schemas.microsoft.com/office/powerpoint/2010/main" val="304315938"/>
       </p:ext>
     </p:extLst>
   </p:cSld>
